--- a/VLSI design 설계 실습/2025-04-09.pptx
+++ b/VLSI design 설계 실습/2025-04-09.pptx
@@ -267,7 +267,7 @@
           <a:p>
             <a:fld id="{E7D6A624-96E8-4A6F-86ED-6696C83CB811}" type="datetimeFigureOut">
               <a:rPr lang="ko-KR" altLang="en-US" smtClean="0"/>
-              <a:t>2025-06-03</a:t>
+              <a:t>2025-06-14</a:t>
             </a:fld>
             <a:endParaRPr lang="ko-KR" altLang="en-US"/>
           </a:p>
@@ -435,7 +435,7 @@
           <a:p>
             <a:fld id="{E7D6A624-96E8-4A6F-86ED-6696C83CB811}" type="datetimeFigureOut">
               <a:rPr lang="ko-KR" altLang="en-US" smtClean="0"/>
-              <a:t>2025-06-03</a:t>
+              <a:t>2025-06-14</a:t>
             </a:fld>
             <a:endParaRPr lang="ko-KR" altLang="en-US"/>
           </a:p>
@@ -613,7 +613,7 @@
           <a:p>
             <a:fld id="{E7D6A624-96E8-4A6F-86ED-6696C83CB811}" type="datetimeFigureOut">
               <a:rPr lang="ko-KR" altLang="en-US" smtClean="0"/>
-              <a:t>2025-06-03</a:t>
+              <a:t>2025-06-14</a:t>
             </a:fld>
             <a:endParaRPr lang="ko-KR" altLang="en-US"/>
           </a:p>
@@ -781,7 +781,7 @@
           <a:p>
             <a:fld id="{E7D6A624-96E8-4A6F-86ED-6696C83CB811}" type="datetimeFigureOut">
               <a:rPr lang="ko-KR" altLang="en-US" smtClean="0"/>
-              <a:t>2025-06-03</a:t>
+              <a:t>2025-06-14</a:t>
             </a:fld>
             <a:endParaRPr lang="ko-KR" altLang="en-US"/>
           </a:p>
@@ -1026,7 +1026,7 @@
           <a:p>
             <a:fld id="{E7D6A624-96E8-4A6F-86ED-6696C83CB811}" type="datetimeFigureOut">
               <a:rPr lang="ko-KR" altLang="en-US" smtClean="0"/>
-              <a:t>2025-06-03</a:t>
+              <a:t>2025-06-14</a:t>
             </a:fld>
             <a:endParaRPr lang="ko-KR" altLang="en-US"/>
           </a:p>
@@ -1255,7 +1255,7 @@
           <a:p>
             <a:fld id="{E7D6A624-96E8-4A6F-86ED-6696C83CB811}" type="datetimeFigureOut">
               <a:rPr lang="ko-KR" altLang="en-US" smtClean="0"/>
-              <a:t>2025-06-03</a:t>
+              <a:t>2025-06-14</a:t>
             </a:fld>
             <a:endParaRPr lang="ko-KR" altLang="en-US"/>
           </a:p>
@@ -1619,7 +1619,7 @@
           <a:p>
             <a:fld id="{E7D6A624-96E8-4A6F-86ED-6696C83CB811}" type="datetimeFigureOut">
               <a:rPr lang="ko-KR" altLang="en-US" smtClean="0"/>
-              <a:t>2025-06-03</a:t>
+              <a:t>2025-06-14</a:t>
             </a:fld>
             <a:endParaRPr lang="ko-KR" altLang="en-US"/>
           </a:p>
@@ -1736,7 +1736,7 @@
           <a:p>
             <a:fld id="{E7D6A624-96E8-4A6F-86ED-6696C83CB811}" type="datetimeFigureOut">
               <a:rPr lang="ko-KR" altLang="en-US" smtClean="0"/>
-              <a:t>2025-06-03</a:t>
+              <a:t>2025-06-14</a:t>
             </a:fld>
             <a:endParaRPr lang="ko-KR" altLang="en-US"/>
           </a:p>
@@ -1831,7 +1831,7 @@
           <a:p>
             <a:fld id="{E7D6A624-96E8-4A6F-86ED-6696C83CB811}" type="datetimeFigureOut">
               <a:rPr lang="ko-KR" altLang="en-US" smtClean="0"/>
-              <a:t>2025-06-03</a:t>
+              <a:t>2025-06-14</a:t>
             </a:fld>
             <a:endParaRPr lang="ko-KR" altLang="en-US"/>
           </a:p>
@@ -2106,7 +2106,7 @@
           <a:p>
             <a:fld id="{E7D6A624-96E8-4A6F-86ED-6696C83CB811}" type="datetimeFigureOut">
               <a:rPr lang="ko-KR" altLang="en-US" smtClean="0"/>
-              <a:t>2025-06-03</a:t>
+              <a:t>2025-06-14</a:t>
             </a:fld>
             <a:endParaRPr lang="ko-KR" altLang="en-US"/>
           </a:p>
@@ -2358,7 +2358,7 @@
           <a:p>
             <a:fld id="{E7D6A624-96E8-4A6F-86ED-6696C83CB811}" type="datetimeFigureOut">
               <a:rPr lang="ko-KR" altLang="en-US" smtClean="0"/>
-              <a:t>2025-06-03</a:t>
+              <a:t>2025-06-14</a:t>
             </a:fld>
             <a:endParaRPr lang="ko-KR" altLang="en-US"/>
           </a:p>
@@ -2575,7 +2575,7 @@
           <a:p>
             <a:fld id="{E7D6A624-96E8-4A6F-86ED-6696C83CB811}" type="datetimeFigureOut">
               <a:rPr lang="ko-KR" altLang="en-US" smtClean="0"/>
-              <a:t>2025-06-03</a:t>
+              <a:t>2025-06-14</a:t>
             </a:fld>
             <a:endParaRPr lang="ko-KR" altLang="en-US"/>
           </a:p>
@@ -6742,9 +6742,10 @@
               <a:t>, 0 ↔ 1.2V</a:t>
             </a:r>
             <a:r>
-              <a:rPr lang="ko-KR" altLang="en-US" dirty="0"/>
-              <a:t>로 변화</a:t>
-            </a:r>
+              <a:rPr lang="ko-KR" altLang="en-US"/>
+              <a:t>로 변화를 반복</a:t>
+            </a:r>
+            <a:endParaRPr lang="ko-KR" altLang="en-US" dirty="0"/>
           </a:p>
           <a:p>
             <a:r>
